--- a/presentations/info-problems.pptx
+++ b/presentations/info-problems.pptx
@@ -234,7 +234,7 @@
           <a:p>
             <a:fld id="{AAF8D7FA-1DAF-4D82-BA59-1F0D220A4C82}" type="datetimeFigureOut">
               <a:rPr lang="en-US" smtClean="0"/>
-              <a:t>2/11/2015</a:t>
+              <a:t>5/18/2015</a:t>
             </a:fld>
             <a:endParaRPr lang="en-US"/>
           </a:p>
@@ -4414,7 +4414,7 @@
           <a:p>
             <a:fld id="{33C0DD8E-787F-4356-BFF8-A015F1F43D07}" type="datetimeFigureOut">
               <a:rPr lang="en-US" smtClean="0"/>
-              <a:t>2/11/2015</a:t>
+              <a:t>5/18/2015</a:t>
             </a:fld>
             <a:endParaRPr lang="en-US"/>
           </a:p>
@@ -4584,7 +4584,7 @@
           <a:p>
             <a:fld id="{33C0DD8E-787F-4356-BFF8-A015F1F43D07}" type="datetimeFigureOut">
               <a:rPr lang="en-US" smtClean="0"/>
-              <a:t>2/11/2015</a:t>
+              <a:t>5/18/2015</a:t>
             </a:fld>
             <a:endParaRPr lang="en-US"/>
           </a:p>
@@ -4764,7 +4764,7 @@
           <a:p>
             <a:fld id="{33C0DD8E-787F-4356-BFF8-A015F1F43D07}" type="datetimeFigureOut">
               <a:rPr lang="en-US" smtClean="0"/>
-              <a:t>2/11/2015</a:t>
+              <a:t>5/18/2015</a:t>
             </a:fld>
             <a:endParaRPr lang="en-US"/>
           </a:p>
@@ -4934,7 +4934,7 @@
           <a:p>
             <a:fld id="{33C0DD8E-787F-4356-BFF8-A015F1F43D07}" type="datetimeFigureOut">
               <a:rPr lang="en-US" smtClean="0"/>
-              <a:t>2/11/2015</a:t>
+              <a:t>5/18/2015</a:t>
             </a:fld>
             <a:endParaRPr lang="en-US"/>
           </a:p>
@@ -5180,7 +5180,7 @@
           <a:p>
             <a:fld id="{33C0DD8E-787F-4356-BFF8-A015F1F43D07}" type="datetimeFigureOut">
               <a:rPr lang="en-US" smtClean="0"/>
-              <a:t>2/11/2015</a:t>
+              <a:t>5/18/2015</a:t>
             </a:fld>
             <a:endParaRPr lang="en-US"/>
           </a:p>
@@ -5468,7 +5468,7 @@
           <a:p>
             <a:fld id="{33C0DD8E-787F-4356-BFF8-A015F1F43D07}" type="datetimeFigureOut">
               <a:rPr lang="en-US" smtClean="0"/>
-              <a:t>2/11/2015</a:t>
+              <a:t>5/18/2015</a:t>
             </a:fld>
             <a:endParaRPr lang="en-US"/>
           </a:p>
@@ -5890,7 +5890,7 @@
           <a:p>
             <a:fld id="{33C0DD8E-787F-4356-BFF8-A015F1F43D07}" type="datetimeFigureOut">
               <a:rPr lang="en-US" smtClean="0"/>
-              <a:t>2/11/2015</a:t>
+              <a:t>5/18/2015</a:t>
             </a:fld>
             <a:endParaRPr lang="en-US"/>
           </a:p>
@@ -6008,7 +6008,7 @@
           <a:p>
             <a:fld id="{33C0DD8E-787F-4356-BFF8-A015F1F43D07}" type="datetimeFigureOut">
               <a:rPr lang="en-US" smtClean="0"/>
-              <a:t>2/11/2015</a:t>
+              <a:t>5/18/2015</a:t>
             </a:fld>
             <a:endParaRPr lang="en-US"/>
           </a:p>
@@ -6103,7 +6103,7 @@
           <a:p>
             <a:fld id="{33C0DD8E-787F-4356-BFF8-A015F1F43D07}" type="datetimeFigureOut">
               <a:rPr lang="en-US" smtClean="0"/>
-              <a:t>2/11/2015</a:t>
+              <a:t>5/18/2015</a:t>
             </a:fld>
             <a:endParaRPr lang="en-US"/>
           </a:p>
@@ -6380,7 +6380,7 @@
           <a:p>
             <a:fld id="{33C0DD8E-787F-4356-BFF8-A015F1F43D07}" type="datetimeFigureOut">
               <a:rPr lang="en-US" smtClean="0"/>
-              <a:t>2/11/2015</a:t>
+              <a:t>5/18/2015</a:t>
             </a:fld>
             <a:endParaRPr lang="en-US"/>
           </a:p>
@@ -6633,7 +6633,7 @@
           <a:p>
             <a:fld id="{33C0DD8E-787F-4356-BFF8-A015F1F43D07}" type="datetimeFigureOut">
               <a:rPr lang="en-US" smtClean="0"/>
-              <a:t>2/11/2015</a:t>
+              <a:t>5/18/2015</a:t>
             </a:fld>
             <a:endParaRPr lang="en-US"/>
           </a:p>
@@ -6846,7 +6846,7 @@
           <a:p>
             <a:fld id="{33C0DD8E-787F-4356-BFF8-A015F1F43D07}" type="datetimeFigureOut">
               <a:rPr lang="en-US" smtClean="0"/>
-              <a:t>2/11/2015</a:t>
+              <a:t>5/18/2015</a:t>
             </a:fld>
             <a:endParaRPr lang="en-US"/>
           </a:p>
@@ -36925,7 +36925,7 @@
         </p:nvSpPr>
         <p:spPr>
           <a:xfrm>
-            <a:off x="1905000" y="152400"/>
+            <a:off x="1891957" y="76200"/>
             <a:ext cx="5638800" cy="914400"/>
           </a:xfrm>
         </p:spPr>
@@ -36966,7 +36966,7 @@
         </p:blipFill>
         <p:spPr bwMode="auto">
           <a:xfrm>
-            <a:off x="381000" y="3276600"/>
+            <a:off x="381000" y="3124200"/>
             <a:ext cx="4237930" cy="3025775"/>
           </a:xfrm>
           <a:prstGeom prst="rect">
@@ -37030,7 +37030,7 @@
         </p:blipFill>
         <p:spPr bwMode="auto">
           <a:xfrm>
-            <a:off x="1143000" y="1371600"/>
+            <a:off x="1143000" y="1219200"/>
             <a:ext cx="1095951" cy="1012825"/>
           </a:xfrm>
           <a:prstGeom prst="rect">
@@ -37094,7 +37094,7 @@
         </p:blipFill>
         <p:spPr bwMode="auto">
           <a:xfrm>
-            <a:off x="2362200" y="1775608"/>
+            <a:off x="2362200" y="1623208"/>
             <a:ext cx="1317625" cy="465157"/>
           </a:xfrm>
           <a:prstGeom prst="rect">
@@ -37143,7 +37143,7 @@
         </p:nvSpPr>
         <p:spPr>
           <a:xfrm>
-            <a:off x="76200" y="2895600"/>
+            <a:off x="76200" y="2743200"/>
             <a:ext cx="8153400" cy="3581400"/>
           </a:xfrm>
           <a:prstGeom prst="roundRect">
@@ -37184,7 +37184,7 @@
         </p:nvSpPr>
         <p:spPr>
           <a:xfrm>
-            <a:off x="4419600" y="3606969"/>
+            <a:off x="4419600" y="3454569"/>
             <a:ext cx="3200400" cy="1938992"/>
           </a:xfrm>
           <a:prstGeom prst="rect">
@@ -37234,7 +37234,7 @@
         </p:nvSpPr>
         <p:spPr>
           <a:xfrm rot="5400000">
-            <a:off x="1309973" y="2615959"/>
+            <a:off x="1309973" y="2463559"/>
             <a:ext cx="762001" cy="406883"/>
           </a:xfrm>
           <a:prstGeom prst="rightArrow">
@@ -37282,7 +37282,7 @@
         </p:nvSpPr>
         <p:spPr>
           <a:xfrm>
-            <a:off x="76200" y="1295400"/>
+            <a:off x="76200" y="1143000"/>
             <a:ext cx="8153400" cy="1524000"/>
           </a:xfrm>
           <a:prstGeom prst="roundRect">
@@ -37323,7 +37323,7 @@
         </p:nvSpPr>
         <p:spPr>
           <a:xfrm>
-            <a:off x="3810000" y="1371600"/>
+            <a:off x="3810000" y="1219200"/>
             <a:ext cx="4267200" cy="1600438"/>
           </a:xfrm>
           <a:prstGeom prst="rect">
@@ -37403,7 +37403,7 @@
         </p:nvSpPr>
         <p:spPr>
           <a:xfrm>
-            <a:off x="7838835" y="1896070"/>
+            <a:off x="7838835" y="1743670"/>
             <a:ext cx="1305165" cy="923330"/>
           </a:xfrm>
           <a:prstGeom prst="rect">
@@ -37498,7 +37498,7 @@
         </p:nvSpPr>
         <p:spPr>
           <a:xfrm>
-            <a:off x="7425494" y="5257800"/>
+            <a:off x="7425494" y="5105400"/>
             <a:ext cx="1766830" cy="923330"/>
           </a:xfrm>
           <a:prstGeom prst="rect">
@@ -37559,6 +37559,182 @@
           </a:p>
         </p:txBody>
       </p:sp>
+      <p:pic>
+        <p:nvPicPr>
+          <p:cNvPr id="1026" name="Picture 2" descr="http://d.gr-assets.com/authors/1354242942p5/5838650.jpg"/>
+          <p:cNvPicPr>
+            <a:picLocks noChangeAspect="1" noChangeArrowheads="1"/>
+          </p:cNvPicPr>
+          <p:nvPr/>
+        </p:nvPicPr>
+        <p:blipFill>
+          <a:blip r:embed="rId6">
+            <a:extLst>
+              <a:ext uri="{28A0092B-C50C-407E-A947-70E740481C1C}">
+                <a14:useLocalDpi xmlns:a14="http://schemas.microsoft.com/office/drawing/2010/main" val="0"/>
+              </a:ext>
+            </a:extLst>
+          </a:blip>
+          <a:srcRect/>
+          <a:stretch>
+            <a:fillRect/>
+          </a:stretch>
+        </p:blipFill>
+        <p:spPr bwMode="auto">
+          <a:xfrm flipH="1">
+            <a:off x="-37303" y="5715000"/>
+            <a:ext cx="951703" cy="1144035"/>
+          </a:xfrm>
+          <a:prstGeom prst="rect">
+            <a:avLst/>
+          </a:prstGeom>
+          <a:ln>
+            <a:noFill/>
+          </a:ln>
+          <a:effectLst>
+            <a:softEdge rad="112500"/>
+          </a:effectLst>
+          <a:extLst>
+            <a:ext uri="{909E8E84-426E-40DD-AFC4-6F175D3DCCD1}">
+              <a14:hiddenFill xmlns:a14="http://schemas.microsoft.com/office/drawing/2010/main">
+                <a:solidFill>
+                  <a:srgbClr val="FFFFFF"/>
+                </a:solidFill>
+              </a14:hiddenFill>
+            </a:ext>
+          </a:extLst>
+        </p:spPr>
+      </p:pic>
+      <p:sp>
+        <p:nvSpPr>
+          <p:cNvPr id="3" name="TextBox 2"/>
+          <p:cNvSpPr txBox="1"/>
+          <p:nvPr/>
+        </p:nvSpPr>
+        <p:spPr>
+          <a:xfrm>
+            <a:off x="1115123" y="6248400"/>
+            <a:ext cx="7952677" cy="408623"/>
+          </a:xfrm>
+          <a:prstGeom prst="wedgeRoundRectCallout">
+            <a:avLst>
+              <a:gd name="adj1" fmla="val -54946"/>
+              <a:gd name="adj2" fmla="val -30997"/>
+              <a:gd name="adj3" fmla="val 16667"/>
+            </a:avLst>
+          </a:prstGeom>
+          <a:solidFill>
+            <a:schemeClr val="bg1">
+              <a:alpha val="64000"/>
+            </a:schemeClr>
+          </a:solidFill>
+          <a:ln w="19050">
+            <a:solidFill>
+              <a:schemeClr val="tx1">
+                <a:lumMod val="65000"/>
+                <a:lumOff val="35000"/>
+              </a:schemeClr>
+            </a:solidFill>
+          </a:ln>
+        </p:spPr>
+        <p:txBody>
+          <a:bodyPr wrap="square" rtlCol="0">
+            <a:spAutoFit/>
+          </a:bodyPr>
+          <a:lstStyle/>
+          <a:p>
+            <a:r>
+              <a:rPr lang="en-US" i="1" dirty="0" err="1"/>
+              <a:t>Quis</a:t>
+            </a:r>
+            <a:r>
+              <a:rPr lang="en-US" i="1" dirty="0"/>
+              <a:t> </a:t>
+            </a:r>
+            <a:r>
+              <a:rPr lang="en-US" i="1" dirty="0" err="1"/>
+              <a:t>custodiet</a:t>
+            </a:r>
+            <a:r>
+              <a:rPr lang="en-US" i="1" dirty="0"/>
+              <a:t> </a:t>
+            </a:r>
+            <a:r>
+              <a:rPr lang="en-US" i="1" dirty="0" err="1"/>
+              <a:t>ipsos</a:t>
+            </a:r>
+            <a:r>
+              <a:rPr lang="en-US" i="1" dirty="0"/>
+              <a:t> </a:t>
+            </a:r>
+            <a:r>
+              <a:rPr lang="en-US" i="1" dirty="0" err="1"/>
+              <a:t>custodes</a:t>
+            </a:r>
+            <a:r>
+              <a:rPr lang="en-US" i="1" dirty="0" smtClean="0"/>
+              <a:t>? </a:t>
+            </a:r>
+            <a:r>
+              <a:rPr lang="en-US" dirty="0" smtClean="0"/>
+              <a:t>– “But who is in charge of those who are in charge?”</a:t>
+            </a:r>
+            <a:endParaRPr lang="en-US" dirty="0"/>
+          </a:p>
+        </p:txBody>
+      </p:sp>
+      <p:pic>
+        <p:nvPicPr>
+          <p:cNvPr id="14" name="Picture 13" descr="http://www.shoutot.com/stockimage/who-watches-the-watchmen.jpg"/>
+          <p:cNvPicPr/>
+          <p:nvPr/>
+        </p:nvPicPr>
+        <p:blipFill>
+          <a:blip r:embed="rId7" cstate="print">
+            <a:extLst>
+              <a:ext uri="{BEBA8EAE-BF5A-486C-A8C5-ECC9F3942E4B}">
+                <a14:imgProps xmlns:a14="http://schemas.microsoft.com/office/drawing/2010/main">
+                  <a14:imgLayer r:embed="rId8">
+                    <a14:imgEffect>
+                      <a14:backgroundRemoval t="5875" b="93625" l="10000" r="90000">
+                        <a14:foregroundMark x1="43516" y1="71000" x2="43516" y2="71000"/>
+                        <a14:foregroundMark x1="34922" y1="58375" x2="34922" y2="58375"/>
+                        <a14:foregroundMark x1="32734" y1="48750" x2="32734" y2="48750"/>
+                      </a14:backgroundRemoval>
+                    </a14:imgEffect>
+                  </a14:imgLayer>
+                </a14:imgProps>
+              </a:ext>
+              <a:ext uri="{28A0092B-C50C-407E-A947-70E740481C1C}">
+                <a14:useLocalDpi xmlns:a14="http://schemas.microsoft.com/office/drawing/2010/main" val="0"/>
+              </a:ext>
+            </a:extLst>
+          </a:blip>
+          <a:srcRect/>
+          <a:stretch>
+            <a:fillRect/>
+          </a:stretch>
+        </p:blipFill>
+        <p:spPr bwMode="auto">
+          <a:xfrm>
+            <a:off x="133748" y="6471817"/>
+            <a:ext cx="609600" cy="370411"/>
+          </a:xfrm>
+          <a:prstGeom prst="rect">
+            <a:avLst/>
+          </a:prstGeom>
+          <a:ln>
+            <a:noFill/>
+          </a:ln>
+          <a:effectLst>
+            <a:outerShdw blurRad="190500" algn="tl" rotWithShape="0">
+              <a:srgbClr val="000000">
+                <a:alpha val="70000"/>
+              </a:srgbClr>
+            </a:outerShdw>
+          </a:effectLst>
+        </p:spPr>
+      </p:pic>
     </p:spTree>
     <p:extLst>
       <p:ext uri="{BB962C8B-B14F-4D97-AF65-F5344CB8AC3E}">
